--- a/files/Angular-training-2 [Autosaved].pptx
+++ b/files/Angular-training-2 [Autosaved].pptx
@@ -16,7 +16,8 @@
     <p:sldId id="270" r:id="rId10"/>
     <p:sldId id="271" r:id="rId11"/>
     <p:sldId id="258" r:id="rId12"/>
-    <p:sldId id="260" r:id="rId13"/>
+    <p:sldId id="272" r:id="rId13"/>
+    <p:sldId id="260" r:id="rId14"/>
   </p:sldIdLst>
   <p:sldSz cx="12192000" cy="6858000"/>
   <p:notesSz cx="6858000" cy="9144000"/>
@@ -3708,7 +3709,7 @@
           <a:p>
             <a:r>
               <a:rPr lang="en-US" dirty="0"/>
-              <a:t>numbers</a:t>
+              <a:t>numbers </a:t>
             </a:r>
           </a:p>
           <a:p>
@@ -3788,6 +3789,176 @@
           <p:cNvPr id="2" name="Title 1">
             <a:extLst>
               <a:ext uri="{FF2B5EF4-FFF2-40B4-BE49-F238E27FC236}">
+                <a16:creationId xmlns:a16="http://schemas.microsoft.com/office/drawing/2014/main" id="{0636605E-1241-6747-A077-2A4B4631A64D}"/>
+              </a:ext>
+            </a:extLst>
+          </p:cNvPr>
+          <p:cNvSpPr>
+            <a:spLocks noGrp="1"/>
+          </p:cNvSpPr>
+          <p:nvPr>
+            <p:ph type="title"/>
+          </p:nvPr>
+        </p:nvSpPr>
+        <p:spPr/>
+        <p:txBody>
+          <a:bodyPr/>
+          <a:lstStyle/>
+          <a:p>
+            <a:r>
+              <a:rPr lang="en-US" dirty="0"/>
+              <a:t>Functions</a:t>
+            </a:r>
+          </a:p>
+        </p:txBody>
+      </p:sp>
+      <p:sp>
+        <p:nvSpPr>
+          <p:cNvPr id="3" name="Content Placeholder 2">
+            <a:extLst>
+              <a:ext uri="{FF2B5EF4-FFF2-40B4-BE49-F238E27FC236}">
+                <a16:creationId xmlns:a16="http://schemas.microsoft.com/office/drawing/2014/main" id="{90E636C2-1087-9E40-9F86-29CA7348089E}"/>
+              </a:ext>
+            </a:extLst>
+          </p:cNvPr>
+          <p:cNvSpPr>
+            <a:spLocks noGrp="1"/>
+          </p:cNvSpPr>
+          <p:nvPr>
+            <p:ph idx="1"/>
+          </p:nvPr>
+        </p:nvSpPr>
+        <p:spPr/>
+        <p:txBody>
+          <a:bodyPr/>
+          <a:lstStyle/>
+          <a:p>
+            <a:r>
+              <a:rPr lang="en-US" dirty="0"/>
+              <a:t> Main building blocks of a program.</a:t>
+            </a:r>
+          </a:p>
+          <a:p>
+            <a:r>
+              <a:rPr lang="en-US" dirty="0"/>
+              <a:t> Allows the code to be called many times without repletion</a:t>
+            </a:r>
+          </a:p>
+          <a:p>
+            <a:pPr marL="0" indent="0">
+              <a:buNone/>
+            </a:pPr>
+            <a:r>
+              <a:rPr lang="en-US" dirty="0">
+                <a:solidFill>
+                  <a:srgbClr val="7B1FA2"/>
+                </a:solidFill>
+                <a:latin typeface="Fira Code" panose="020B0509050000020004" pitchFamily="49" charset="0"/>
+              </a:rPr>
+              <a:t>function</a:t>
+            </a:r>
+            <a:r>
+              <a:rPr lang="en-US" dirty="0">
+                <a:solidFill>
+                  <a:srgbClr val="1A1A1A"/>
+                </a:solidFill>
+                <a:latin typeface="Fira Code" panose="020B0509050000020004" pitchFamily="49" charset="0"/>
+              </a:rPr>
+              <a:t> </a:t>
+            </a:r>
+            <a:r>
+              <a:rPr lang="en-US" dirty="0">
+                <a:solidFill>
+                  <a:srgbClr val="3F831E"/>
+                </a:solidFill>
+                <a:latin typeface="Fira Code" panose="020B0509050000020004" pitchFamily="49" charset="0"/>
+              </a:rPr>
+              <a:t>add</a:t>
+            </a:r>
+            <a:r>
+              <a:rPr lang="en-US" dirty="0">
+                <a:solidFill>
+                  <a:srgbClr val="1A1A1A"/>
+                </a:solidFill>
+                <a:latin typeface="Fira Code" panose="020B0509050000020004" pitchFamily="49" charset="0"/>
+              </a:rPr>
+              <a:t>(number1, number2) {</a:t>
+            </a:r>
+          </a:p>
+          <a:p>
+            <a:pPr marL="0" indent="0">
+              <a:buNone/>
+            </a:pPr>
+            <a:r>
+              <a:rPr lang="en-US" dirty="0">
+                <a:solidFill>
+                  <a:srgbClr val="3F831E"/>
+                </a:solidFill>
+                <a:latin typeface="Fira Code" panose="020B0509050000020004" pitchFamily="49" charset="0"/>
+              </a:rPr>
+              <a:t>	return number1 + number2;</a:t>
+            </a:r>
+            <a:endParaRPr lang="en-US" dirty="0">
+              <a:solidFill>
+                <a:srgbClr val="1A1A1A"/>
+              </a:solidFill>
+              <a:latin typeface="Fira Code" panose="020B0509050000020004" pitchFamily="49" charset="0"/>
+            </a:endParaRPr>
+          </a:p>
+          <a:p>
+            <a:pPr marL="0" indent="0">
+              <a:buNone/>
+            </a:pPr>
+            <a:r>
+              <a:rPr lang="en-US" dirty="0">
+                <a:solidFill>
+                  <a:srgbClr val="1A1A1A"/>
+                </a:solidFill>
+                <a:latin typeface="Fira Code" panose="020B0509050000020004" pitchFamily="49" charset="0"/>
+              </a:rPr>
+              <a:t>}</a:t>
+            </a:r>
+          </a:p>
+          <a:p>
+            <a:endParaRPr lang="en-US" dirty="0"/>
+          </a:p>
+        </p:txBody>
+      </p:sp>
+    </p:spTree>
+    <p:extLst>
+      <p:ext uri="{BB962C8B-B14F-4D97-AF65-F5344CB8AC3E}">
+        <p14:creationId xmlns:p14="http://schemas.microsoft.com/office/powerpoint/2010/main" val="2377057419"/>
+      </p:ext>
+    </p:extLst>
+  </p:cSld>
+  <p:clrMapOvr>
+    <a:masterClrMapping/>
+  </p:clrMapOvr>
+</p:sld>
+</file>
+
+<file path=ppt/slides/slide13.xml><?xml version="1.0" encoding="utf-8"?>
+<p:sld xmlns:a="http://schemas.openxmlformats.org/drawingml/2006/main" xmlns:r="http://schemas.openxmlformats.org/officeDocument/2006/relationships" xmlns:p="http://schemas.openxmlformats.org/presentationml/2006/main">
+  <p:cSld>
+    <p:spTree>
+      <p:nvGrpSpPr>
+        <p:cNvPr id="1" name=""/>
+        <p:cNvGrpSpPr/>
+        <p:nvPr/>
+      </p:nvGrpSpPr>
+      <p:grpSpPr>
+        <a:xfrm>
+          <a:off x="0" y="0"/>
+          <a:ext cx="0" cy="0"/>
+          <a:chOff x="0" y="0"/>
+          <a:chExt cx="0" cy="0"/>
+        </a:xfrm>
+      </p:grpSpPr>
+      <p:sp>
+        <p:nvSpPr>
+          <p:cNvPr id="2" name="Title 1">
+            <a:extLst>
+              <a:ext uri="{FF2B5EF4-FFF2-40B4-BE49-F238E27FC236}">
                 <a16:creationId xmlns:a16="http://schemas.microsoft.com/office/drawing/2014/main" id="{A17F98F1-7EE2-2246-8FAC-BA596E85A0C4}"/>
               </a:ext>
             </a:extLst>
@@ -4023,6 +4194,12 @@
           <a:p>
             <a:r>
               <a:rPr lang="en-US" dirty="0"/>
+              <a:t>Git – Source control software.</a:t>
+            </a:r>
+          </a:p>
+          <a:p>
+            <a:r>
+              <a:rPr lang="en-US" dirty="0"/>
               <a:t>Visual Studio code – IDE for our web development</a:t>
             </a:r>
           </a:p>
@@ -4287,6 +4464,12 @@
               <a:rPr lang="en-US" dirty="0"/>
               <a:t>Runs inside all browsers</a:t>
             </a:r>
+          </a:p>
+          <a:p>
+            <a:pPr marL="0" indent="0">
+              <a:buNone/>
+            </a:pPr>
+            <a:endParaRPr lang="en-US" u="sng" dirty="0"/>
           </a:p>
           <a:p>
             <a:r>
